--- a/소공중간발표_컴퓨터과학부하경민도우찬.pptx
+++ b/소공중간발표_컴퓨터과학부하경민도우찬.pptx
@@ -5,10 +5,10 @@
     <p:sldMasterId id="2147483660" r:id="rId1"/>
   </p:sldMasterIdLst>
   <p:notesMasterIdLst>
-    <p:notesMasterId r:id="rId19"/>
+    <p:notesMasterId r:id="rId20"/>
   </p:notesMasterIdLst>
   <p:handoutMasterIdLst>
-    <p:handoutMasterId r:id="rId20"/>
+    <p:handoutMasterId r:id="rId21"/>
   </p:handoutMasterIdLst>
   <p:sldIdLst>
     <p:sldId id="257" r:id="rId2"/>
@@ -23,24 +23,25 @@
     <p:sldId id="291" r:id="rId11"/>
     <p:sldId id="293" r:id="rId12"/>
     <p:sldId id="294" r:id="rId13"/>
-    <p:sldId id="298" r:id="rId14"/>
-    <p:sldId id="296" r:id="rId15"/>
-    <p:sldId id="297" r:id="rId16"/>
-    <p:sldId id="288" r:id="rId17"/>
-    <p:sldId id="278" r:id="rId18"/>
+    <p:sldId id="299" r:id="rId14"/>
+    <p:sldId id="300" r:id="rId15"/>
+    <p:sldId id="298" r:id="rId16"/>
+    <p:sldId id="296" r:id="rId17"/>
+    <p:sldId id="297" r:id="rId18"/>
+    <p:sldId id="278" r:id="rId19"/>
   </p:sldIdLst>
   <p:sldSz cx="9144000" cy="6858000" type="screen4x3"/>
   <p:notesSz cx="6805613" cy="9939338"/>
   <p:embeddedFontLst>
     <p:embeddedFont>
       <p:font typeface="나눔고딕" panose="020D0604000000000000" pitchFamily="50" charset="-127"/>
-      <p:regular r:id="rId21"/>
-      <p:bold r:id="rId22"/>
+      <p:regular r:id="rId22"/>
+      <p:bold r:id="rId23"/>
     </p:embeddedFont>
     <p:embeddedFont>
       <p:font typeface="맑은 고딕" panose="020B0503020000020004" pitchFamily="50" charset="-127"/>
-      <p:regular r:id="rId23"/>
-      <p:bold r:id="rId24"/>
+      <p:regular r:id="rId24"/>
+      <p:bold r:id="rId25"/>
     </p:embeddedFont>
   </p:embeddedFontLst>
   <p:defaultTextStyle>
@@ -997,7 +998,7 @@
             <a:fld id="{A0A51D67-0C14-4576-BCC5-A508196B7BB5}" type="slidenum">
               <a:rPr lang="ko-KR" altLang="en-US" smtClean="0"/>
               <a:pPr/>
-              <a:t>17</a:t>
+              <a:t>18</a:t>
             </a:fld>
             <a:endParaRPr lang="ko-KR" altLang="en-US"/>
           </a:p>
@@ -3719,19 +3720,19 @@
                   </a:schemeClr>
                 </a:solidFill>
               </a:rPr>
-              <a:t> 모바일 </a:t>
-            </a:r>
-            <a:r>
-              <a:rPr lang="ko-KR" altLang="en-US" sz="5400" b="1" spc="-250" dirty="0" smtClean="0">
+              <a:t> 모바일 로봇 컨트롤러</a:t>
+            </a:r>
+            <a:r>
+              <a:rPr lang="en-US" altLang="ko-KR" sz="5400" b="1" spc="-250" dirty="0" smtClean="0">
                 <a:solidFill>
                   <a:schemeClr val="accent4">
                     <a:lumMod val="50000"/>
                   </a:schemeClr>
                 </a:solidFill>
               </a:rPr>
-              <a:t>로봇 컨트롤러</a:t>
-            </a:r>
-            <a:r>
+              <a:t/>
+            </a:r>
+            <a:br>
               <a:rPr lang="en-US" altLang="ko-KR" sz="5400" b="1" spc="-250" dirty="0" smtClean="0">
                 <a:solidFill>
                   <a:schemeClr val="accent4">
@@ -3739,9 +3740,8 @@
                   </a:schemeClr>
                 </a:solidFill>
               </a:rPr>
-              <a:t/>
-            </a:r>
-            <a:br>
+            </a:br>
+            <a:r>
               <a:rPr lang="en-US" altLang="ko-KR" sz="5400" b="1" spc="-250" dirty="0" smtClean="0">
                 <a:solidFill>
                   <a:schemeClr val="accent4">
@@ -3749,36 +3749,17 @@
                   </a:schemeClr>
                 </a:solidFill>
               </a:rPr>
-            </a:br>
-            <a:r>
-              <a:rPr lang="en-US" altLang="ko-KR" sz="5400" b="1" spc="-250" dirty="0" smtClean="0">
+              <a:t>ADD-ON </a:t>
+            </a:r>
+            <a:r>
+              <a:rPr lang="ko-KR" altLang="en-US" sz="5400" b="1" spc="-250" dirty="0" smtClean="0">
                 <a:solidFill>
                   <a:schemeClr val="accent4">
                     <a:lumMod val="50000"/>
                   </a:schemeClr>
                 </a:solidFill>
               </a:rPr>
-              <a:t>ADD-ON </a:t>
-            </a:r>
-            <a:r>
-              <a:rPr lang="ko-KR" altLang="en-US" sz="5400" b="1" spc="-250" dirty="0" smtClean="0">
-                <a:solidFill>
-                  <a:schemeClr val="accent4">
-                    <a:lumMod val="50000"/>
-                  </a:schemeClr>
-                </a:solidFill>
-              </a:rPr>
-              <a:t>시스템 설계 </a:t>
-            </a:r>
-            <a:r>
-              <a:rPr lang="ko-KR" altLang="en-US" sz="5400" b="1" spc="-250" dirty="0" smtClean="0">
-                <a:solidFill>
-                  <a:schemeClr val="accent4">
-                    <a:lumMod val="50000"/>
-                  </a:schemeClr>
-                </a:solidFill>
-              </a:rPr>
-              <a:t>발표</a:t>
+              <a:t>시스템 설계 발표</a:t>
             </a:r>
             <a:endParaRPr lang="ko-KR" altLang="en-US" sz="5400" b="1" spc="-250" dirty="0">
               <a:solidFill>
@@ -4913,15 +4894,15 @@
                   <a:srgbClr val="1D314E"/>
                 </a:solidFill>
               </a:rPr>
-              <a:t>“</a:t>
-            </a:r>
-            <a:r>
-              <a:rPr lang="en-US" altLang="ko-KR" sz="4000" b="1" spc="-150" dirty="0" smtClean="0">
+              <a:t>“Run Robot Searching”</a:t>
+            </a:r>
+            <a:r>
+              <a:rPr lang="ko-KR" altLang="en-US" sz="4000" b="1" spc="-150" dirty="0" smtClean="0">
                 <a:solidFill>
                   <a:srgbClr val="1D314E"/>
                 </a:solidFill>
               </a:rPr>
-              <a:t>Run Robot Searching”</a:t>
+              <a:t> </a:t>
             </a:r>
             <a:r>
               <a:rPr lang="ko-KR" altLang="en-US" sz="4000" b="1" spc="-150" dirty="0" smtClean="0">
@@ -4929,7 +4910,7 @@
                   <a:srgbClr val="1D314E"/>
                 </a:solidFill>
               </a:rPr>
-              <a:t> 시나리오</a:t>
+              <a:t>순차도</a:t>
             </a:r>
             <a:endParaRPr lang="ko-KR" altLang="en-US" sz="4000" b="1" spc="-150" dirty="0">
               <a:solidFill>
@@ -5207,7 +5188,15 @@
                   <a:srgbClr val="1D314E"/>
                 </a:solidFill>
               </a:rPr>
-              <a:t>“Read Hazard Sensor Data” </a:t>
+              <a:t>“Run Robot Searching”</a:t>
+            </a:r>
+            <a:r>
+              <a:rPr lang="ko-KR" altLang="en-US" sz="4000" b="1" spc="-150" dirty="0" smtClean="0">
+                <a:solidFill>
+                  <a:srgbClr val="1D314E"/>
+                </a:solidFill>
+              </a:rPr>
+              <a:t> </a:t>
             </a:r>
             <a:r>
               <a:rPr lang="ko-KR" altLang="en-US" sz="4000" b="1" spc="-150" dirty="0" smtClean="0">
@@ -5227,7 +5216,7 @@
       </p:sp>
       <p:pic>
         <p:nvPicPr>
-          <p:cNvPr id="2" name="그림 1"/>
+          <p:cNvPr id="3" name="그림 2"/>
           <p:cNvPicPr>
             <a:picLocks noChangeAspect="1"/>
           </p:cNvPicPr>
@@ -5247,8 +5236,8 @@
         </p:blipFill>
         <p:spPr>
           <a:xfrm>
-            <a:off x="1055543" y="1813187"/>
-            <a:ext cx="7150467" cy="4578585"/>
+            <a:off x="95281" y="0"/>
+            <a:ext cx="8865831" cy="6858000"/>
           </a:xfrm>
           <a:prstGeom prst="rect">
             <a:avLst/>
@@ -5258,7 +5247,7 @@
     </p:spTree>
     <p:extLst>
       <p:ext uri="{BB962C8B-B14F-4D97-AF65-F5344CB8AC3E}">
-        <p14:creationId xmlns:p14="http://schemas.microsoft.com/office/powerpoint/2010/main" val="2280922995"/>
+        <p14:creationId xmlns:p14="http://schemas.microsoft.com/office/powerpoint/2010/main" val="1618203320"/>
       </p:ext>
     </p:extLst>
   </p:cSld>
@@ -5493,39 +5482,15 @@
                   <a:srgbClr val="1D314E"/>
                 </a:solidFill>
               </a:rPr>
-              <a:t>“</a:t>
-            </a:r>
-            <a:r>
-              <a:rPr lang="en-US" altLang="ko-KR" sz="4000" b="1" spc="-150" dirty="0">
+              <a:t>“Run Robot Searching”</a:t>
+            </a:r>
+            <a:r>
+              <a:rPr lang="ko-KR" altLang="en-US" sz="4000" b="1" spc="-150" dirty="0" smtClean="0">
                 <a:solidFill>
                   <a:srgbClr val="1D314E"/>
                 </a:solidFill>
               </a:rPr>
-              <a:t>Read </a:t>
-            </a:r>
-            <a:r>
-              <a:rPr lang="en-US" altLang="ko-KR" sz="4000" b="1" spc="-150" dirty="0" smtClean="0">
-                <a:solidFill>
-                  <a:srgbClr val="1D314E"/>
-                </a:solidFill>
-              </a:rPr>
-              <a:t>Color Blob </a:t>
-            </a:r>
-            <a:r>
-              <a:rPr lang="en-US" altLang="ko-KR" sz="4000" b="1" spc="-150" dirty="0">
-                <a:solidFill>
-                  <a:srgbClr val="1D314E"/>
-                </a:solidFill>
-              </a:rPr>
-              <a:t>Sensor Data</a:t>
-            </a:r>
-            <a:r>
-              <a:rPr lang="en-US" altLang="ko-KR" sz="4000" b="1" spc="-150" dirty="0" smtClean="0">
-                <a:solidFill>
-                  <a:srgbClr val="1D314E"/>
-                </a:solidFill>
-              </a:rPr>
-              <a:t>” </a:t>
+              <a:t> </a:t>
             </a:r>
             <a:r>
               <a:rPr lang="ko-KR" altLang="en-US" sz="4000" b="1" spc="-150" dirty="0" smtClean="0">
@@ -5545,7 +5510,7 @@
       </p:sp>
       <p:pic>
         <p:nvPicPr>
-          <p:cNvPr id="2" name="그림 1"/>
+          <p:cNvPr id="3" name="그림 2"/>
           <p:cNvPicPr>
             <a:picLocks noChangeAspect="1"/>
           </p:cNvPicPr>
@@ -5565,8 +5530,8 @@
         </p:blipFill>
         <p:spPr>
           <a:xfrm>
-            <a:off x="666766" y="1450994"/>
-            <a:ext cx="7802074" cy="5063676"/>
+            <a:off x="324437" y="0"/>
+            <a:ext cx="8446366" cy="6858000"/>
           </a:xfrm>
           <a:prstGeom prst="rect">
             <a:avLst/>
@@ -5576,7 +5541,7 @@
     </p:spTree>
     <p:extLst>
       <p:ext uri="{BB962C8B-B14F-4D97-AF65-F5344CB8AC3E}">
-        <p14:creationId xmlns:p14="http://schemas.microsoft.com/office/powerpoint/2010/main" val="508819081"/>
+        <p14:creationId xmlns:p14="http://schemas.microsoft.com/office/powerpoint/2010/main" val="985832752"/>
       </p:ext>
     </p:extLst>
   </p:cSld>
@@ -5811,23 +5776,7 @@
                   <a:srgbClr val="1D314E"/>
                 </a:solidFill>
               </a:rPr>
-              <a:t>“</a:t>
-            </a:r>
-            <a:r>
-              <a:rPr lang="en-US" altLang="ko-KR" sz="4000" b="1" spc="-150" dirty="0">
-                <a:solidFill>
-                  <a:srgbClr val="1D314E"/>
-                </a:solidFill>
-              </a:rPr>
-              <a:t>Read </a:t>
-            </a:r>
-            <a:r>
-              <a:rPr lang="en-US" altLang="ko-KR" sz="4000" b="1" spc="-150" dirty="0" smtClean="0">
-                <a:solidFill>
-                  <a:srgbClr val="1D314E"/>
-                </a:solidFill>
-              </a:rPr>
-              <a:t>Positioning Sensor Data” </a:t>
+              <a:t>“Read Hazard Sensor Data” </a:t>
             </a:r>
             <a:r>
               <a:rPr lang="ko-KR" altLang="en-US" sz="4000" b="1" spc="-150" dirty="0" smtClean="0">
@@ -5867,8 +5816,8 @@
         </p:blipFill>
         <p:spPr>
           <a:xfrm>
-            <a:off x="967144" y="1549886"/>
-            <a:ext cx="7201317" cy="4955502"/>
+            <a:off x="1055543" y="1813187"/>
+            <a:ext cx="7150467" cy="4578585"/>
           </a:xfrm>
           <a:prstGeom prst="rect">
             <a:avLst/>
@@ -5878,7 +5827,7 @@
     </p:spTree>
     <p:extLst>
       <p:ext uri="{BB962C8B-B14F-4D97-AF65-F5344CB8AC3E}">
-        <p14:creationId xmlns:p14="http://schemas.microsoft.com/office/powerpoint/2010/main" val="3443853060"/>
+        <p14:creationId xmlns:p14="http://schemas.microsoft.com/office/powerpoint/2010/main" val="2280922995"/>
       </p:ext>
     </p:extLst>
   </p:cSld>
@@ -5914,189 +5863,6 @@
       </p:grpSpPr>
       <p:sp>
         <p:nvSpPr>
-          <p:cNvPr id="17" name="내용 개체 틀 2"/>
-          <p:cNvSpPr txBox="1">
-            <a:spLocks/>
-          </p:cNvSpPr>
-          <p:nvPr/>
-        </p:nvSpPr>
-        <p:spPr>
-          <a:xfrm>
-            <a:off x="259796" y="1631110"/>
-            <a:ext cx="1883330" cy="1235916"/>
-          </a:xfrm>
-          <a:prstGeom prst="rect">
-            <a:avLst/>
-          </a:prstGeom>
-        </p:spPr>
-        <p:txBody>
-          <a:bodyPr vert="horz" lIns="91440" tIns="45720" rIns="91440" bIns="45720" rtlCol="0">
-            <a:normAutofit/>
-          </a:bodyPr>
-          <a:lstStyle>
-            <a:lvl1pPr marL="342900" indent="-342900" algn="l" defTabSz="914400" rtl="0" eaLnBrk="1" latinLnBrk="1" hangingPunct="1">
-              <a:spcBef>
-                <a:spcPct val="20000"/>
-              </a:spcBef>
-              <a:buFont typeface="Arial" pitchFamily="34" charset="0"/>
-              <a:buChar char="•"/>
-              <a:defRPr sz="3200" kern="1200">
-                <a:solidFill>
-                  <a:schemeClr val="tx1"/>
-                </a:solidFill>
-                <a:latin typeface="+mn-lt"/>
-                <a:ea typeface="+mn-ea"/>
-                <a:cs typeface="+mn-cs"/>
-              </a:defRPr>
-            </a:lvl1pPr>
-            <a:lvl2pPr marL="742950" indent="-285750" algn="l" defTabSz="914400" rtl="0" eaLnBrk="1" latinLnBrk="1" hangingPunct="1">
-              <a:spcBef>
-                <a:spcPct val="20000"/>
-              </a:spcBef>
-              <a:buFont typeface="Arial" pitchFamily="34" charset="0"/>
-              <a:buChar char="–"/>
-              <a:defRPr sz="2800" kern="1200">
-                <a:solidFill>
-                  <a:schemeClr val="tx1"/>
-                </a:solidFill>
-                <a:latin typeface="+mn-lt"/>
-                <a:ea typeface="+mn-ea"/>
-                <a:cs typeface="+mn-cs"/>
-              </a:defRPr>
-            </a:lvl2pPr>
-            <a:lvl3pPr marL="1143000" indent="-228600" algn="l" defTabSz="914400" rtl="0" eaLnBrk="1" latinLnBrk="1" hangingPunct="1">
-              <a:spcBef>
-                <a:spcPct val="20000"/>
-              </a:spcBef>
-              <a:buFont typeface="Arial" pitchFamily="34" charset="0"/>
-              <a:buChar char="•"/>
-              <a:defRPr sz="2400" kern="1200">
-                <a:solidFill>
-                  <a:schemeClr val="tx1"/>
-                </a:solidFill>
-                <a:latin typeface="+mn-lt"/>
-                <a:ea typeface="+mn-ea"/>
-                <a:cs typeface="+mn-cs"/>
-              </a:defRPr>
-            </a:lvl3pPr>
-            <a:lvl4pPr marL="1600200" indent="-228600" algn="l" defTabSz="914400" rtl="0" eaLnBrk="1" latinLnBrk="1" hangingPunct="1">
-              <a:spcBef>
-                <a:spcPct val="20000"/>
-              </a:spcBef>
-              <a:buFont typeface="Arial" pitchFamily="34" charset="0"/>
-              <a:buChar char="–"/>
-              <a:defRPr sz="2000" kern="1200">
-                <a:solidFill>
-                  <a:schemeClr val="tx1"/>
-                </a:solidFill>
-                <a:latin typeface="+mn-lt"/>
-                <a:ea typeface="+mn-ea"/>
-                <a:cs typeface="+mn-cs"/>
-              </a:defRPr>
-            </a:lvl4pPr>
-            <a:lvl5pPr marL="2057400" indent="-228600" algn="l" defTabSz="914400" rtl="0" eaLnBrk="1" latinLnBrk="1" hangingPunct="1">
-              <a:spcBef>
-                <a:spcPct val="20000"/>
-              </a:spcBef>
-              <a:buFont typeface="Arial" pitchFamily="34" charset="0"/>
-              <a:buChar char="»"/>
-              <a:defRPr sz="2000" kern="1200">
-                <a:solidFill>
-                  <a:schemeClr val="tx1"/>
-                </a:solidFill>
-                <a:latin typeface="+mn-lt"/>
-                <a:ea typeface="+mn-ea"/>
-                <a:cs typeface="+mn-cs"/>
-              </a:defRPr>
-            </a:lvl5pPr>
-            <a:lvl6pPr marL="2514600" indent="-228600" algn="l" defTabSz="914400" rtl="0" eaLnBrk="1" latinLnBrk="1" hangingPunct="1">
-              <a:spcBef>
-                <a:spcPct val="20000"/>
-              </a:spcBef>
-              <a:buFont typeface="Arial" pitchFamily="34" charset="0"/>
-              <a:buChar char="•"/>
-              <a:defRPr sz="2000" kern="1200">
-                <a:solidFill>
-                  <a:schemeClr val="tx1"/>
-                </a:solidFill>
-                <a:latin typeface="+mn-lt"/>
-                <a:ea typeface="+mn-ea"/>
-                <a:cs typeface="+mn-cs"/>
-              </a:defRPr>
-            </a:lvl6pPr>
-            <a:lvl7pPr marL="2971800" indent="-228600" algn="l" defTabSz="914400" rtl="0" eaLnBrk="1" latinLnBrk="1" hangingPunct="1">
-              <a:spcBef>
-                <a:spcPct val="20000"/>
-              </a:spcBef>
-              <a:buFont typeface="Arial" pitchFamily="34" charset="0"/>
-              <a:buChar char="•"/>
-              <a:defRPr sz="2000" kern="1200">
-                <a:solidFill>
-                  <a:schemeClr val="tx1"/>
-                </a:solidFill>
-                <a:latin typeface="+mn-lt"/>
-                <a:ea typeface="+mn-ea"/>
-                <a:cs typeface="+mn-cs"/>
-              </a:defRPr>
-            </a:lvl7pPr>
-            <a:lvl8pPr marL="3429000" indent="-228600" algn="l" defTabSz="914400" rtl="0" eaLnBrk="1" latinLnBrk="1" hangingPunct="1">
-              <a:spcBef>
-                <a:spcPct val="20000"/>
-              </a:spcBef>
-              <a:buFont typeface="Arial" pitchFamily="34" charset="0"/>
-              <a:buChar char="•"/>
-              <a:defRPr sz="2000" kern="1200">
-                <a:solidFill>
-                  <a:schemeClr val="tx1"/>
-                </a:solidFill>
-                <a:latin typeface="+mn-lt"/>
-                <a:ea typeface="+mn-ea"/>
-                <a:cs typeface="+mn-cs"/>
-              </a:defRPr>
-            </a:lvl8pPr>
-            <a:lvl9pPr marL="3886200" indent="-228600" algn="l" defTabSz="914400" rtl="0" eaLnBrk="1" latinLnBrk="1" hangingPunct="1">
-              <a:spcBef>
-                <a:spcPct val="20000"/>
-              </a:spcBef>
-              <a:buFont typeface="Arial" pitchFamily="34" charset="0"/>
-              <a:buChar char="•"/>
-              <a:defRPr sz="2000" kern="1200">
-                <a:solidFill>
-                  <a:schemeClr val="tx1"/>
-                </a:solidFill>
-                <a:latin typeface="+mn-lt"/>
-                <a:ea typeface="+mn-ea"/>
-                <a:cs typeface="+mn-cs"/>
-              </a:defRPr>
-            </a:lvl9pPr>
-          </a:lstStyle>
-          <a:p>
-            <a:pPr>
-              <a:buFont typeface="Arial" pitchFamily="34" charset="0"/>
-              <a:buNone/>
-            </a:pPr>
-            <a:r>
-              <a:rPr lang="ko-KR" altLang="en-US" sz="1200" b="1" dirty="0" smtClean="0">
-                <a:solidFill>
-                  <a:srgbClr val="3D3C3E"/>
-                </a:solidFill>
-                <a:latin typeface="나눔고딕" pitchFamily="50" charset="-127"/>
-                <a:ea typeface="나눔고딕" pitchFamily="50" charset="-127"/>
-              </a:rPr>
-              <a:t>도형 예시</a:t>
-            </a:r>
-            <a:endParaRPr lang="en-US" altLang="ko-KR" sz="1200" b="1" dirty="0" smtClean="0">
-              <a:solidFill>
-                <a:srgbClr val="3D3C3E"/>
-              </a:solidFill>
-              <a:latin typeface="나눔고딕" pitchFamily="50" charset="-127"/>
-              <a:ea typeface="나눔고딕" pitchFamily="50" charset="-127"/>
-            </a:endParaRPr>
-          </a:p>
-        </p:txBody>
-      </p:sp>
-      <p:sp>
-        <p:nvSpPr>
           <p:cNvPr id="20" name="TextBox 19"/>
           <p:cNvSpPr txBox="1"/>
           <p:nvPr/>
@@ -6291,20 +6057,52 @@
           <a:p>
             <a:pPr algn="l"/>
             <a:r>
-              <a:rPr lang="ko-KR" altLang="en-US" sz="4000" b="1" spc="-150" dirty="0" err="1" smtClean="0">
+              <a:rPr lang="en-US" altLang="ko-KR" sz="4000" b="1" spc="-150" dirty="0" smtClean="0">
                 <a:solidFill>
                   <a:srgbClr val="1D314E"/>
                 </a:solidFill>
               </a:rPr>
-              <a:t>유즈케이스</a:t>
-            </a:r>
-            <a:r>
-              <a:rPr lang="ko-KR" altLang="en-US" sz="4000" b="1" spc="-150" dirty="0" err="1">
+              <a:t>“</a:t>
+            </a:r>
+            <a:r>
+              <a:rPr lang="en-US" altLang="ko-KR" sz="4000" b="1" spc="-150" dirty="0">
                 <a:solidFill>
                   <a:srgbClr val="1D314E"/>
                 </a:solidFill>
               </a:rPr>
-              <a:t>도</a:t>
+              <a:t>Read </a:t>
+            </a:r>
+            <a:r>
+              <a:rPr lang="en-US" altLang="ko-KR" sz="4000" b="1" spc="-150" dirty="0" smtClean="0">
+                <a:solidFill>
+                  <a:srgbClr val="1D314E"/>
+                </a:solidFill>
+              </a:rPr>
+              <a:t>Color Blob </a:t>
+            </a:r>
+            <a:r>
+              <a:rPr lang="en-US" altLang="ko-KR" sz="4000" b="1" spc="-150" dirty="0">
+                <a:solidFill>
+                  <a:srgbClr val="1D314E"/>
+                </a:solidFill>
+              </a:rPr>
+              <a:t>Sensor Data</a:t>
+            </a:r>
+            <a:r>
+              <a:rPr lang="en-US" altLang="ko-KR" sz="4000" b="1" spc="-150" dirty="0" smtClean="0">
+                <a:solidFill>
+                  <a:srgbClr val="1D314E"/>
+                </a:solidFill>
+              </a:rPr>
+              <a:t>” </a:t>
+            </a:r>
+            <a:r>
+              <a:rPr lang="ko-KR" altLang="en-US" sz="4000" b="1" spc="-150" dirty="0" smtClean="0">
+                <a:solidFill>
+                  <a:srgbClr val="1D314E"/>
+                </a:solidFill>
+              </a:rPr>
+              <a:t>순차도</a:t>
             </a:r>
             <a:endParaRPr lang="ko-KR" altLang="en-US" sz="4000" b="1" spc="-150" dirty="0">
               <a:solidFill>
@@ -6314,10 +6112,40 @@
           </a:p>
         </p:txBody>
       </p:sp>
+      <p:pic>
+        <p:nvPicPr>
+          <p:cNvPr id="2" name="그림 1"/>
+          <p:cNvPicPr>
+            <a:picLocks noChangeAspect="1"/>
+          </p:cNvPicPr>
+          <p:nvPr/>
+        </p:nvPicPr>
+        <p:blipFill>
+          <a:blip r:embed="rId2">
+            <a:extLst>
+              <a:ext uri="{28A0092B-C50C-407E-A947-70E740481C1C}">
+                <a14:useLocalDpi xmlns:a14="http://schemas.microsoft.com/office/drawing/2010/main" val="0"/>
+              </a:ext>
+            </a:extLst>
+          </a:blip>
+          <a:stretch>
+            <a:fillRect/>
+          </a:stretch>
+        </p:blipFill>
+        <p:spPr>
+          <a:xfrm>
+            <a:off x="666766" y="1450994"/>
+            <a:ext cx="7802074" cy="5063676"/>
+          </a:xfrm>
+          <a:prstGeom prst="rect">
+            <a:avLst/>
+          </a:prstGeom>
+        </p:spPr>
+      </p:pic>
     </p:spTree>
     <p:extLst>
       <p:ext uri="{BB962C8B-B14F-4D97-AF65-F5344CB8AC3E}">
-        <p14:creationId xmlns:p14="http://schemas.microsoft.com/office/powerpoint/2010/main" val="449789912"/>
+        <p14:creationId xmlns:p14="http://schemas.microsoft.com/office/powerpoint/2010/main" val="508819081"/>
       </p:ext>
     </p:extLst>
   </p:cSld>
@@ -6335,6 +6163,308 @@
 </file>
 
 <file path=ppt/slides/slide17.xml><?xml version="1.0" encoding="utf-8"?>
+<p:sld xmlns:a="http://schemas.openxmlformats.org/drawingml/2006/main" xmlns:r="http://schemas.openxmlformats.org/officeDocument/2006/relationships" xmlns:p="http://schemas.openxmlformats.org/presentationml/2006/main">
+  <p:cSld>
+    <p:spTree>
+      <p:nvGrpSpPr>
+        <p:cNvPr id="1" name=""/>
+        <p:cNvGrpSpPr/>
+        <p:nvPr/>
+      </p:nvGrpSpPr>
+      <p:grpSpPr>
+        <a:xfrm>
+          <a:off x="0" y="0"/>
+          <a:ext cx="0" cy="0"/>
+          <a:chOff x="0" y="0"/>
+          <a:chExt cx="0" cy="0"/>
+        </a:xfrm>
+      </p:grpSpPr>
+      <p:sp>
+        <p:nvSpPr>
+          <p:cNvPr id="20" name="TextBox 19"/>
+          <p:cNvSpPr txBox="1"/>
+          <p:nvPr/>
+        </p:nvSpPr>
+        <p:spPr>
+          <a:xfrm>
+            <a:off x="263455" y="195231"/>
+            <a:ext cx="1584176" cy="215444"/>
+          </a:xfrm>
+          <a:prstGeom prst="rect">
+            <a:avLst/>
+          </a:prstGeom>
+          <a:noFill/>
+        </p:spPr>
+        <p:txBody>
+          <a:bodyPr wrap="square" rtlCol="0">
+            <a:spAutoFit/>
+          </a:bodyPr>
+          <a:lstStyle/>
+          <a:p>
+            <a:r>
+              <a:rPr lang="en-US" altLang="ko-KR" sz="800" spc="-30" dirty="0" smtClean="0">
+                <a:solidFill>
+                  <a:schemeClr val="tx1">
+                    <a:lumMod val="95000"/>
+                    <a:lumOff val="5000"/>
+                  </a:schemeClr>
+                </a:solidFill>
+                <a:latin typeface="나눔고딕" pitchFamily="50" charset="-127"/>
+                <a:ea typeface="나눔고딕" pitchFamily="50" charset="-127"/>
+              </a:rPr>
+              <a:t>2. </a:t>
+            </a:r>
+            <a:r>
+              <a:rPr lang="ko-KR" altLang="en-US" sz="800" spc="-30" dirty="0" err="1" smtClean="0">
+                <a:solidFill>
+                  <a:schemeClr val="tx1">
+                    <a:lumMod val="95000"/>
+                    <a:lumOff val="5000"/>
+                  </a:schemeClr>
+                </a:solidFill>
+                <a:latin typeface="나눔고딕" pitchFamily="50" charset="-127"/>
+                <a:ea typeface="나눔고딕" pitchFamily="50" charset="-127"/>
+              </a:rPr>
+              <a:t>유즈케이스도와</a:t>
+            </a:r>
+            <a:r>
+              <a:rPr lang="ko-KR" altLang="en-US" sz="800" spc="-30" dirty="0" smtClean="0">
+                <a:solidFill>
+                  <a:schemeClr val="tx1">
+                    <a:lumMod val="95000"/>
+                    <a:lumOff val="5000"/>
+                  </a:schemeClr>
+                </a:solidFill>
+                <a:latin typeface="나눔고딕" pitchFamily="50" charset="-127"/>
+                <a:ea typeface="나눔고딕" pitchFamily="50" charset="-127"/>
+              </a:rPr>
+              <a:t> 설명</a:t>
+            </a:r>
+            <a:endParaRPr lang="en-US" altLang="ko-KR" sz="800" spc="-30" dirty="0" smtClean="0">
+              <a:solidFill>
+                <a:schemeClr val="tx1">
+                  <a:lumMod val="95000"/>
+                  <a:lumOff val="5000"/>
+                </a:schemeClr>
+              </a:solidFill>
+              <a:latin typeface="나눔고딕" pitchFamily="50" charset="-127"/>
+              <a:ea typeface="나눔고딕" pitchFamily="50" charset="-127"/>
+            </a:endParaRPr>
+          </a:p>
+        </p:txBody>
+      </p:sp>
+      <p:cxnSp>
+        <p:nvCxnSpPr>
+          <p:cNvPr id="22" name="직선 연결선 21"/>
+          <p:cNvCxnSpPr/>
+          <p:nvPr/>
+        </p:nvCxnSpPr>
+        <p:spPr>
+          <a:xfrm>
+            <a:off x="364803" y="547859"/>
+            <a:ext cx="8406000" cy="0"/>
+          </a:xfrm>
+          <a:prstGeom prst="line">
+            <a:avLst/>
+          </a:prstGeom>
+          <a:ln w="3175">
+            <a:solidFill>
+              <a:schemeClr val="accent4">
+                <a:lumMod val="50000"/>
+              </a:schemeClr>
+            </a:solidFill>
+          </a:ln>
+        </p:spPr>
+        <p:style>
+          <a:lnRef idx="1">
+            <a:schemeClr val="accent1"/>
+          </a:lnRef>
+          <a:fillRef idx="0">
+            <a:schemeClr val="accent1"/>
+          </a:fillRef>
+          <a:effectRef idx="0">
+            <a:schemeClr val="accent1"/>
+          </a:effectRef>
+          <a:fontRef idx="minor">
+            <a:schemeClr val="tx1"/>
+          </a:fontRef>
+        </p:style>
+      </p:cxnSp>
+      <p:sp>
+        <p:nvSpPr>
+          <p:cNvPr id="28" name="TextBox 27"/>
+          <p:cNvSpPr txBox="1"/>
+          <p:nvPr/>
+        </p:nvSpPr>
+        <p:spPr>
+          <a:xfrm>
+            <a:off x="7277411" y="195231"/>
+            <a:ext cx="1584176" cy="215444"/>
+          </a:xfrm>
+          <a:prstGeom prst="rect">
+            <a:avLst/>
+          </a:prstGeom>
+          <a:noFill/>
+        </p:spPr>
+        <p:txBody>
+          <a:bodyPr wrap="square" rtlCol="0">
+            <a:spAutoFit/>
+          </a:bodyPr>
+          <a:lstStyle/>
+          <a:p>
+            <a:pPr algn="r"/>
+            <a:fld id="{DBA1376A-1BCE-4C3B-85BD-05D751D6B156}" type="slidenum">
+              <a:rPr lang="en-US" altLang="ko-KR" sz="800" spc="-30" smtClean="0">
+                <a:solidFill>
+                  <a:schemeClr val="tx1">
+                    <a:lumMod val="95000"/>
+                    <a:lumOff val="5000"/>
+                  </a:schemeClr>
+                </a:solidFill>
+                <a:latin typeface="나눔고딕" pitchFamily="50" charset="-127"/>
+                <a:ea typeface="나눔고딕" pitchFamily="50" charset="-127"/>
+              </a:rPr>
+              <a:pPr algn="r"/>
+              <a:t>17</a:t>
+            </a:fld>
+            <a:r>
+              <a:rPr lang="en-US" altLang="ko-KR" sz="800" spc="-30" dirty="0" smtClean="0">
+                <a:solidFill>
+                  <a:schemeClr val="tx1">
+                    <a:lumMod val="95000"/>
+                    <a:lumOff val="5000"/>
+                  </a:schemeClr>
+                </a:solidFill>
+                <a:latin typeface="나눔고딕" pitchFamily="50" charset="-127"/>
+                <a:ea typeface="나눔고딕" pitchFamily="50" charset="-127"/>
+              </a:rPr>
+              <a:t> / 14</a:t>
+            </a:r>
+            <a:endParaRPr lang="en-US" altLang="ko-KR" sz="800" spc="-30" dirty="0">
+              <a:solidFill>
+                <a:schemeClr val="tx1">
+                  <a:lumMod val="95000"/>
+                  <a:lumOff val="5000"/>
+                </a:schemeClr>
+              </a:solidFill>
+              <a:latin typeface="나눔고딕" pitchFamily="50" charset="-127"/>
+              <a:ea typeface="나눔고딕" pitchFamily="50" charset="-127"/>
+            </a:endParaRPr>
+          </a:p>
+        </p:txBody>
+      </p:sp>
+      <p:sp>
+        <p:nvSpPr>
+          <p:cNvPr id="23" name="제목 22"/>
+          <p:cNvSpPr>
+            <a:spLocks noGrp="1"/>
+          </p:cNvSpPr>
+          <p:nvPr>
+            <p:ph type="title"/>
+          </p:nvPr>
+        </p:nvSpPr>
+        <p:spPr>
+          <a:xfrm>
+            <a:off x="247649" y="552449"/>
+            <a:ext cx="8486775" cy="855663"/>
+          </a:xfrm>
+        </p:spPr>
+        <p:txBody>
+          <a:bodyPr/>
+          <a:lstStyle/>
+          <a:p>
+            <a:pPr algn="l"/>
+            <a:r>
+              <a:rPr lang="en-US" altLang="ko-KR" sz="4000" b="1" spc="-150" dirty="0" smtClean="0">
+                <a:solidFill>
+                  <a:srgbClr val="1D314E"/>
+                </a:solidFill>
+              </a:rPr>
+              <a:t>“</a:t>
+            </a:r>
+            <a:r>
+              <a:rPr lang="en-US" altLang="ko-KR" sz="4000" b="1" spc="-150" dirty="0">
+                <a:solidFill>
+                  <a:srgbClr val="1D314E"/>
+                </a:solidFill>
+              </a:rPr>
+              <a:t>Read </a:t>
+            </a:r>
+            <a:r>
+              <a:rPr lang="en-US" altLang="ko-KR" sz="4000" b="1" spc="-150" dirty="0" smtClean="0">
+                <a:solidFill>
+                  <a:srgbClr val="1D314E"/>
+                </a:solidFill>
+              </a:rPr>
+              <a:t>Positioning Sensor Data” </a:t>
+            </a:r>
+            <a:r>
+              <a:rPr lang="ko-KR" altLang="en-US" sz="4000" b="1" spc="-150" dirty="0" smtClean="0">
+                <a:solidFill>
+                  <a:srgbClr val="1D314E"/>
+                </a:solidFill>
+              </a:rPr>
+              <a:t>순차도</a:t>
+            </a:r>
+            <a:endParaRPr lang="ko-KR" altLang="en-US" sz="4000" b="1" spc="-150" dirty="0">
+              <a:solidFill>
+                <a:srgbClr val="1D314E"/>
+              </a:solidFill>
+            </a:endParaRPr>
+          </a:p>
+        </p:txBody>
+      </p:sp>
+      <p:pic>
+        <p:nvPicPr>
+          <p:cNvPr id="2" name="그림 1"/>
+          <p:cNvPicPr>
+            <a:picLocks noChangeAspect="1"/>
+          </p:cNvPicPr>
+          <p:nvPr/>
+        </p:nvPicPr>
+        <p:blipFill>
+          <a:blip r:embed="rId2">
+            <a:extLst>
+              <a:ext uri="{28A0092B-C50C-407E-A947-70E740481C1C}">
+                <a14:useLocalDpi xmlns:a14="http://schemas.microsoft.com/office/drawing/2010/main" val="0"/>
+              </a:ext>
+            </a:extLst>
+          </a:blip>
+          <a:stretch>
+            <a:fillRect/>
+          </a:stretch>
+        </p:blipFill>
+        <p:spPr>
+          <a:xfrm>
+            <a:off x="967144" y="1549886"/>
+            <a:ext cx="7201317" cy="4955502"/>
+          </a:xfrm>
+          <a:prstGeom prst="rect">
+            <a:avLst/>
+          </a:prstGeom>
+        </p:spPr>
+      </p:pic>
+    </p:spTree>
+    <p:extLst>
+      <p:ext uri="{BB962C8B-B14F-4D97-AF65-F5344CB8AC3E}">
+        <p14:creationId xmlns:p14="http://schemas.microsoft.com/office/powerpoint/2010/main" val="3443853060"/>
+      </p:ext>
+    </p:extLst>
+  </p:cSld>
+  <p:clrMapOvr>
+    <a:masterClrMapping/>
+  </p:clrMapOvr>
+  <p:timing>
+    <p:tnLst>
+      <p:par>
+        <p:cTn id="1" dur="indefinite" restart="never" nodeType="tmRoot"/>
+      </p:par>
+    </p:tnLst>
+  </p:timing>
+</p:sld>
+</file>
+
+<file path=ppt/slides/slide18.xml><?xml version="1.0" encoding="utf-8"?>
 <p:sld xmlns:a="http://schemas.openxmlformats.org/drawingml/2006/main" xmlns:r="http://schemas.openxmlformats.org/officeDocument/2006/relationships" xmlns:p="http://schemas.openxmlformats.org/presentationml/2006/main">
   <p:cSld>
     <p:spTree>
@@ -7892,189 +8022,6 @@
       </p:grpSpPr>
       <p:sp>
         <p:nvSpPr>
-          <p:cNvPr id="17" name="내용 개체 틀 2"/>
-          <p:cNvSpPr txBox="1">
-            <a:spLocks/>
-          </p:cNvSpPr>
-          <p:nvPr/>
-        </p:nvSpPr>
-        <p:spPr>
-          <a:xfrm>
-            <a:off x="259796" y="1631110"/>
-            <a:ext cx="1883330" cy="1235916"/>
-          </a:xfrm>
-          <a:prstGeom prst="rect">
-            <a:avLst/>
-          </a:prstGeom>
-        </p:spPr>
-        <p:txBody>
-          <a:bodyPr vert="horz" lIns="91440" tIns="45720" rIns="91440" bIns="45720" rtlCol="0">
-            <a:normAutofit/>
-          </a:bodyPr>
-          <a:lstStyle>
-            <a:lvl1pPr marL="342900" indent="-342900" algn="l" defTabSz="914400" rtl="0" eaLnBrk="1" latinLnBrk="1" hangingPunct="1">
-              <a:spcBef>
-                <a:spcPct val="20000"/>
-              </a:spcBef>
-              <a:buFont typeface="Arial" pitchFamily="34" charset="0"/>
-              <a:buChar char="•"/>
-              <a:defRPr sz="3200" kern="1200">
-                <a:solidFill>
-                  <a:schemeClr val="tx1"/>
-                </a:solidFill>
-                <a:latin typeface="+mn-lt"/>
-                <a:ea typeface="+mn-ea"/>
-                <a:cs typeface="+mn-cs"/>
-              </a:defRPr>
-            </a:lvl1pPr>
-            <a:lvl2pPr marL="742950" indent="-285750" algn="l" defTabSz="914400" rtl="0" eaLnBrk="1" latinLnBrk="1" hangingPunct="1">
-              <a:spcBef>
-                <a:spcPct val="20000"/>
-              </a:spcBef>
-              <a:buFont typeface="Arial" pitchFamily="34" charset="0"/>
-              <a:buChar char="–"/>
-              <a:defRPr sz="2800" kern="1200">
-                <a:solidFill>
-                  <a:schemeClr val="tx1"/>
-                </a:solidFill>
-                <a:latin typeface="+mn-lt"/>
-                <a:ea typeface="+mn-ea"/>
-                <a:cs typeface="+mn-cs"/>
-              </a:defRPr>
-            </a:lvl2pPr>
-            <a:lvl3pPr marL="1143000" indent="-228600" algn="l" defTabSz="914400" rtl="0" eaLnBrk="1" latinLnBrk="1" hangingPunct="1">
-              <a:spcBef>
-                <a:spcPct val="20000"/>
-              </a:spcBef>
-              <a:buFont typeface="Arial" pitchFamily="34" charset="0"/>
-              <a:buChar char="•"/>
-              <a:defRPr sz="2400" kern="1200">
-                <a:solidFill>
-                  <a:schemeClr val="tx1"/>
-                </a:solidFill>
-                <a:latin typeface="+mn-lt"/>
-                <a:ea typeface="+mn-ea"/>
-                <a:cs typeface="+mn-cs"/>
-              </a:defRPr>
-            </a:lvl3pPr>
-            <a:lvl4pPr marL="1600200" indent="-228600" algn="l" defTabSz="914400" rtl="0" eaLnBrk="1" latinLnBrk="1" hangingPunct="1">
-              <a:spcBef>
-                <a:spcPct val="20000"/>
-              </a:spcBef>
-              <a:buFont typeface="Arial" pitchFamily="34" charset="0"/>
-              <a:buChar char="–"/>
-              <a:defRPr sz="2000" kern="1200">
-                <a:solidFill>
-                  <a:schemeClr val="tx1"/>
-                </a:solidFill>
-                <a:latin typeface="+mn-lt"/>
-                <a:ea typeface="+mn-ea"/>
-                <a:cs typeface="+mn-cs"/>
-              </a:defRPr>
-            </a:lvl4pPr>
-            <a:lvl5pPr marL="2057400" indent="-228600" algn="l" defTabSz="914400" rtl="0" eaLnBrk="1" latinLnBrk="1" hangingPunct="1">
-              <a:spcBef>
-                <a:spcPct val="20000"/>
-              </a:spcBef>
-              <a:buFont typeface="Arial" pitchFamily="34" charset="0"/>
-              <a:buChar char="»"/>
-              <a:defRPr sz="2000" kern="1200">
-                <a:solidFill>
-                  <a:schemeClr val="tx1"/>
-                </a:solidFill>
-                <a:latin typeface="+mn-lt"/>
-                <a:ea typeface="+mn-ea"/>
-                <a:cs typeface="+mn-cs"/>
-              </a:defRPr>
-            </a:lvl5pPr>
-            <a:lvl6pPr marL="2514600" indent="-228600" algn="l" defTabSz="914400" rtl="0" eaLnBrk="1" latinLnBrk="1" hangingPunct="1">
-              <a:spcBef>
-                <a:spcPct val="20000"/>
-              </a:spcBef>
-              <a:buFont typeface="Arial" pitchFamily="34" charset="0"/>
-              <a:buChar char="•"/>
-              <a:defRPr sz="2000" kern="1200">
-                <a:solidFill>
-                  <a:schemeClr val="tx1"/>
-                </a:solidFill>
-                <a:latin typeface="+mn-lt"/>
-                <a:ea typeface="+mn-ea"/>
-                <a:cs typeface="+mn-cs"/>
-              </a:defRPr>
-            </a:lvl6pPr>
-            <a:lvl7pPr marL="2971800" indent="-228600" algn="l" defTabSz="914400" rtl="0" eaLnBrk="1" latinLnBrk="1" hangingPunct="1">
-              <a:spcBef>
-                <a:spcPct val="20000"/>
-              </a:spcBef>
-              <a:buFont typeface="Arial" pitchFamily="34" charset="0"/>
-              <a:buChar char="•"/>
-              <a:defRPr sz="2000" kern="1200">
-                <a:solidFill>
-                  <a:schemeClr val="tx1"/>
-                </a:solidFill>
-                <a:latin typeface="+mn-lt"/>
-                <a:ea typeface="+mn-ea"/>
-                <a:cs typeface="+mn-cs"/>
-              </a:defRPr>
-            </a:lvl7pPr>
-            <a:lvl8pPr marL="3429000" indent="-228600" algn="l" defTabSz="914400" rtl="0" eaLnBrk="1" latinLnBrk="1" hangingPunct="1">
-              <a:spcBef>
-                <a:spcPct val="20000"/>
-              </a:spcBef>
-              <a:buFont typeface="Arial" pitchFamily="34" charset="0"/>
-              <a:buChar char="•"/>
-              <a:defRPr sz="2000" kern="1200">
-                <a:solidFill>
-                  <a:schemeClr val="tx1"/>
-                </a:solidFill>
-                <a:latin typeface="+mn-lt"/>
-                <a:ea typeface="+mn-ea"/>
-                <a:cs typeface="+mn-cs"/>
-              </a:defRPr>
-            </a:lvl8pPr>
-            <a:lvl9pPr marL="3886200" indent="-228600" algn="l" defTabSz="914400" rtl="0" eaLnBrk="1" latinLnBrk="1" hangingPunct="1">
-              <a:spcBef>
-                <a:spcPct val="20000"/>
-              </a:spcBef>
-              <a:buFont typeface="Arial" pitchFamily="34" charset="0"/>
-              <a:buChar char="•"/>
-              <a:defRPr sz="2000" kern="1200">
-                <a:solidFill>
-                  <a:schemeClr val="tx1"/>
-                </a:solidFill>
-                <a:latin typeface="+mn-lt"/>
-                <a:ea typeface="+mn-ea"/>
-                <a:cs typeface="+mn-cs"/>
-              </a:defRPr>
-            </a:lvl9pPr>
-          </a:lstStyle>
-          <a:p>
-            <a:pPr>
-              <a:buFont typeface="Arial" pitchFamily="34" charset="0"/>
-              <a:buNone/>
-            </a:pPr>
-            <a:r>
-              <a:rPr lang="ko-KR" altLang="en-US" sz="1200" b="1" dirty="0" smtClean="0">
-                <a:solidFill>
-                  <a:srgbClr val="3D3C3E"/>
-                </a:solidFill>
-                <a:latin typeface="나눔고딕" pitchFamily="50" charset="-127"/>
-                <a:ea typeface="나눔고딕" pitchFamily="50" charset="-127"/>
-              </a:rPr>
-              <a:t>도형 예시</a:t>
-            </a:r>
-            <a:endParaRPr lang="en-US" altLang="ko-KR" sz="1200" b="1" dirty="0" smtClean="0">
-              <a:solidFill>
-                <a:srgbClr val="3D3C3E"/>
-              </a:solidFill>
-              <a:latin typeface="나눔고딕" pitchFamily="50" charset="-127"/>
-              <a:ea typeface="나눔고딕" pitchFamily="50" charset="-127"/>
-            </a:endParaRPr>
-          </a:p>
-        </p:txBody>
-      </p:sp>
-      <p:sp>
-        <p:nvSpPr>
           <p:cNvPr id="20" name="TextBox 19"/>
           <p:cNvSpPr txBox="1"/>
           <p:nvPr/>
@@ -8292,6 +8239,36 @@
           </a:p>
         </p:txBody>
       </p:sp>
+      <p:pic>
+        <p:nvPicPr>
+          <p:cNvPr id="2" name="그림 1"/>
+          <p:cNvPicPr>
+            <a:picLocks noChangeAspect="1"/>
+          </p:cNvPicPr>
+          <p:nvPr/>
+        </p:nvPicPr>
+        <p:blipFill>
+          <a:blip r:embed="rId2">
+            <a:extLst>
+              <a:ext uri="{28A0092B-C50C-407E-A947-70E740481C1C}">
+                <a14:useLocalDpi xmlns:a14="http://schemas.microsoft.com/office/drawing/2010/main" val="0"/>
+              </a:ext>
+            </a:extLst>
+          </a:blip>
+          <a:stretch>
+            <a:fillRect/>
+          </a:stretch>
+        </p:blipFill>
+        <p:spPr>
+          <a:xfrm>
+            <a:off x="1395535" y="1903187"/>
+            <a:ext cx="6344535" cy="3905795"/>
+          </a:xfrm>
+          <a:prstGeom prst="rect">
+            <a:avLst/>
+          </a:prstGeom>
+        </p:spPr>
+      </p:pic>
     </p:spTree>
     <p:extLst>
       <p:ext uri="{BB962C8B-B14F-4D97-AF65-F5344CB8AC3E}">
@@ -8550,7 +8527,7 @@
       </p:sp>
       <p:pic>
         <p:nvPicPr>
-          <p:cNvPr id="2" name="그림 1"/>
+          <p:cNvPr id="3" name="그림 2"/>
           <p:cNvPicPr>
             <a:picLocks noChangeAspect="1"/>
           </p:cNvPicPr>
@@ -8570,8 +8547,8 @@
         </p:blipFill>
         <p:spPr>
           <a:xfrm>
-            <a:off x="2833806" y="1454079"/>
-            <a:ext cx="3467993" cy="4931909"/>
+            <a:off x="2548178" y="1408112"/>
+            <a:ext cx="3682884" cy="5190643"/>
           </a:xfrm>
           <a:prstGeom prst="rect">
             <a:avLst/>
@@ -8816,15 +8793,7 @@
                   <a:srgbClr val="1D314E"/>
                 </a:solidFill>
               </a:rPr>
-              <a:t>“</a:t>
-            </a:r>
-            <a:r>
-              <a:rPr lang="en-US" altLang="ko-KR" sz="4000" b="1" spc="-150" dirty="0" smtClean="0">
-                <a:solidFill>
-                  <a:srgbClr val="1D314E"/>
-                </a:solidFill>
-              </a:rPr>
-              <a:t>Run Robot Searching”</a:t>
+              <a:t>“Run Robot Searching”</a:t>
             </a:r>
             <a:r>
               <a:rPr lang="ko-KR" altLang="en-US" sz="4000" b="1" spc="-150" dirty="0" smtClean="0">
@@ -8844,7 +8813,7 @@
       </p:sp>
       <p:pic>
         <p:nvPicPr>
-          <p:cNvPr id="3" name="그림 2"/>
+          <p:cNvPr id="2" name="그림 1"/>
           <p:cNvPicPr>
             <a:picLocks noChangeAspect="1"/>
           </p:cNvPicPr>
@@ -8864,8 +8833,8 @@
         </p:blipFill>
         <p:spPr>
           <a:xfrm>
-            <a:off x="2143126" y="1492872"/>
-            <a:ext cx="4731616" cy="5078038"/>
+            <a:off x="2638165" y="1881508"/>
+            <a:ext cx="3705742" cy="3982006"/>
           </a:xfrm>
           <a:prstGeom prst="rect">
             <a:avLst/>
@@ -9130,7 +9099,7 @@
       </p:sp>
       <p:pic>
         <p:nvPicPr>
-          <p:cNvPr id="2" name="그림 1"/>
+          <p:cNvPr id="3" name="그림 2"/>
           <p:cNvPicPr>
             <a:picLocks noChangeAspect="1"/>
           </p:cNvPicPr>
@@ -9150,8 +9119,8 @@
         </p:blipFill>
         <p:spPr>
           <a:xfrm>
-            <a:off x="364803" y="2530544"/>
-            <a:ext cx="2654284" cy="2118403"/>
+            <a:off x="412135" y="2799462"/>
+            <a:ext cx="2243458" cy="1764853"/>
           </a:xfrm>
           <a:prstGeom prst="rect">
             <a:avLst/>
@@ -9160,7 +9129,7 @@
       </p:pic>
       <p:pic>
         <p:nvPicPr>
-          <p:cNvPr id="8" name="그림 7"/>
+          <p:cNvPr id="4" name="그림 3"/>
           <p:cNvPicPr>
             <a:picLocks noChangeAspect="1"/>
           </p:cNvPicPr>
@@ -9180,8 +9149,38 @@
         </p:blipFill>
         <p:spPr>
           <a:xfrm>
-            <a:off x="3124094" y="2530544"/>
-            <a:ext cx="2729642" cy="2160269"/>
+            <a:off x="3180798" y="2799463"/>
+            <a:ext cx="2191056" cy="1743318"/>
+          </a:xfrm>
+          <a:prstGeom prst="rect">
+            <a:avLst/>
+          </a:prstGeom>
+        </p:spPr>
+      </p:pic>
+      <p:pic>
+        <p:nvPicPr>
+          <p:cNvPr id="5" name="그림 4"/>
+          <p:cNvPicPr>
+            <a:picLocks noChangeAspect="1"/>
+          </p:cNvPicPr>
+          <p:nvPr/>
+        </p:nvPicPr>
+        <p:blipFill>
+          <a:blip r:embed="rId4">
+            <a:extLst>
+              <a:ext uri="{28A0092B-C50C-407E-A947-70E740481C1C}">
+                <a14:useLocalDpi xmlns:a14="http://schemas.microsoft.com/office/drawing/2010/main" val="0"/>
+              </a:ext>
+            </a:extLst>
+          </a:blip>
+          <a:stretch>
+            <a:fillRect/>
+          </a:stretch>
+        </p:blipFill>
+        <p:spPr>
+          <a:xfrm>
+            <a:off x="5786399" y="2799463"/>
+            <a:ext cx="2892898" cy="1743318"/>
           </a:xfrm>
           <a:prstGeom prst="rect">
             <a:avLst/>

--- a/소공중간발표_컴퓨터과학부하경민도우찬.pptx
+++ b/소공중간발표_컴퓨터과학부하경민도우찬.pptx
@@ -4902,15 +4902,7 @@
                   <a:srgbClr val="1D314E"/>
                 </a:solidFill>
               </a:rPr>
-              <a:t> </a:t>
-            </a:r>
-            <a:r>
-              <a:rPr lang="ko-KR" altLang="en-US" sz="4000" b="1" spc="-150" dirty="0" smtClean="0">
-                <a:solidFill>
-                  <a:srgbClr val="1D314E"/>
-                </a:solidFill>
-              </a:rPr>
-              <a:t>순차도</a:t>
+              <a:t> 순차도</a:t>
             </a:r>
             <a:endParaRPr lang="ko-KR" altLang="en-US" sz="4000" b="1" spc="-150" dirty="0">
               <a:solidFill>
@@ -5196,15 +5188,7 @@
                   <a:srgbClr val="1D314E"/>
                 </a:solidFill>
               </a:rPr>
-              <a:t> </a:t>
-            </a:r>
-            <a:r>
-              <a:rPr lang="ko-KR" altLang="en-US" sz="4000" b="1" spc="-150" dirty="0" smtClean="0">
-                <a:solidFill>
-                  <a:srgbClr val="1D314E"/>
-                </a:solidFill>
-              </a:rPr>
-              <a:t>순차도</a:t>
+              <a:t> 순차도</a:t>
             </a:r>
             <a:endParaRPr lang="ko-KR" altLang="en-US" sz="4000" b="1" spc="-150" dirty="0">
               <a:solidFill>
@@ -5490,15 +5474,7 @@
                   <a:srgbClr val="1D314E"/>
                 </a:solidFill>
               </a:rPr>
-              <a:t> </a:t>
-            </a:r>
-            <a:r>
-              <a:rPr lang="ko-KR" altLang="en-US" sz="4000" b="1" spc="-150" dirty="0" smtClean="0">
-                <a:solidFill>
-                  <a:srgbClr val="1D314E"/>
-                </a:solidFill>
-              </a:rPr>
-              <a:t>순차도</a:t>
+              <a:t> 순차도</a:t>
             </a:r>
             <a:endParaRPr lang="ko-KR" altLang="en-US" sz="4000" b="1" spc="-150" dirty="0">
               <a:solidFill>
@@ -6565,257 +6541,184 @@
           </a:fontRef>
         </p:style>
       </p:cxnSp>
+      <p:sp>
+        <p:nvSpPr>
+          <p:cNvPr id="8" name="부제목 2"/>
+          <p:cNvSpPr>
+            <a:spLocks noGrp="1"/>
+          </p:cNvSpPr>
+          <p:nvPr>
+            <p:ph type="subTitle" idx="1"/>
+          </p:nvPr>
+        </p:nvSpPr>
+        <p:spPr>
+          <a:xfrm>
+            <a:off x="260715" y="3948830"/>
+            <a:ext cx="2160240" cy="1752600"/>
+          </a:xfrm>
+          <a:ln>
+            <a:noFill/>
+          </a:ln>
+        </p:spPr>
+        <p:txBody>
+          <a:bodyPr>
+            <a:normAutofit/>
+          </a:bodyPr>
+          <a:lstStyle/>
+          <a:p>
+            <a:pPr algn="l">
+              <a:lnSpc>
+                <a:spcPct val="150000"/>
+              </a:lnSpc>
+            </a:pPr>
+            <a:r>
+              <a:rPr lang="en-US" altLang="ko-KR" sz="1200" b="1" spc="-50" dirty="0" smtClean="0">
+                <a:solidFill>
+                  <a:schemeClr val="tx1">
+                    <a:lumMod val="75000"/>
+                    <a:lumOff val="25000"/>
+                  </a:schemeClr>
+                </a:solidFill>
+                <a:latin typeface="나눔고딕" pitchFamily="50" charset="-127"/>
+                <a:ea typeface="나눔고딕" pitchFamily="50" charset="-127"/>
+              </a:rPr>
+              <a:t>2019.11.08</a:t>
+            </a:r>
+          </a:p>
+          <a:p>
+            <a:pPr algn="l">
+              <a:lnSpc>
+                <a:spcPct val="150000"/>
+              </a:lnSpc>
+            </a:pPr>
+            <a:r>
+              <a:rPr lang="ko-KR" altLang="en-US" sz="1200" b="1" spc="-50" dirty="0" smtClean="0">
+                <a:solidFill>
+                  <a:schemeClr val="tx1">
+                    <a:lumMod val="75000"/>
+                    <a:lumOff val="25000"/>
+                  </a:schemeClr>
+                </a:solidFill>
+              </a:rPr>
+              <a:t>컴퓨터과학부</a:t>
+            </a:r>
+            <a:endParaRPr lang="en-US" altLang="ko-KR" sz="1200" b="1" spc="-50" dirty="0" smtClean="0">
+              <a:solidFill>
+                <a:schemeClr val="tx1">
+                  <a:lumMod val="75000"/>
+                  <a:lumOff val="25000"/>
+                </a:schemeClr>
+              </a:solidFill>
+              <a:latin typeface="나눔고딕" pitchFamily="50" charset="-127"/>
+              <a:ea typeface="나눔고딕" pitchFamily="50" charset="-127"/>
+            </a:endParaRPr>
+          </a:p>
+          <a:p>
+            <a:pPr algn="l">
+              <a:lnSpc>
+                <a:spcPct val="150000"/>
+              </a:lnSpc>
+            </a:pPr>
+            <a:r>
+              <a:rPr lang="en-US" altLang="ko-KR" sz="1200" b="1" spc="-50" dirty="0" smtClean="0">
+                <a:solidFill>
+                  <a:schemeClr val="tx1">
+                    <a:lumMod val="75000"/>
+                    <a:lumOff val="25000"/>
+                  </a:schemeClr>
+                </a:solidFill>
+              </a:rPr>
+              <a:t>2015920016, 2015920057</a:t>
+            </a:r>
+          </a:p>
+          <a:p>
+            <a:pPr algn="l">
+              <a:lnSpc>
+                <a:spcPct val="150000"/>
+              </a:lnSpc>
+            </a:pPr>
+            <a:r>
+              <a:rPr lang="ko-KR" altLang="en-US" sz="1200" b="1" spc="-50" dirty="0" err="1" smtClean="0">
+                <a:solidFill>
+                  <a:schemeClr val="tx1">
+                    <a:lumMod val="75000"/>
+                    <a:lumOff val="25000"/>
+                  </a:schemeClr>
+                </a:solidFill>
+                <a:latin typeface="나눔고딕" pitchFamily="50" charset="-127"/>
+                <a:ea typeface="나눔고딕" pitchFamily="50" charset="-127"/>
+              </a:rPr>
+              <a:t>도우찬</a:t>
+            </a:r>
+            <a:r>
+              <a:rPr lang="en-US" altLang="ko-KR" sz="1200" b="1" spc="-50" dirty="0" smtClean="0">
+                <a:solidFill>
+                  <a:schemeClr val="tx1">
+                    <a:lumMod val="75000"/>
+                    <a:lumOff val="25000"/>
+                  </a:schemeClr>
+                </a:solidFill>
+                <a:latin typeface="나눔고딕" pitchFamily="50" charset="-127"/>
+                <a:ea typeface="나눔고딕" pitchFamily="50" charset="-127"/>
+              </a:rPr>
+              <a:t>, </a:t>
+            </a:r>
+            <a:r>
+              <a:rPr lang="ko-KR" altLang="en-US" sz="1200" b="1" spc="-50" dirty="0" err="1" smtClean="0">
+                <a:solidFill>
+                  <a:schemeClr val="tx1">
+                    <a:lumMod val="75000"/>
+                    <a:lumOff val="25000"/>
+                  </a:schemeClr>
+                </a:solidFill>
+                <a:latin typeface="나눔고딕" pitchFamily="50" charset="-127"/>
+                <a:ea typeface="나눔고딕" pitchFamily="50" charset="-127"/>
+              </a:rPr>
+              <a:t>하경민</a:t>
+            </a:r>
+            <a:endParaRPr lang="en-US" altLang="ko-KR" sz="1200" b="1" spc="-50" dirty="0" smtClean="0">
+              <a:solidFill>
+                <a:schemeClr val="tx1">
+                  <a:lumMod val="75000"/>
+                  <a:lumOff val="25000"/>
+                </a:schemeClr>
+              </a:solidFill>
+              <a:latin typeface="나눔고딕" pitchFamily="50" charset="-127"/>
+              <a:ea typeface="나눔고딕" pitchFamily="50" charset="-127"/>
+            </a:endParaRPr>
+          </a:p>
+        </p:txBody>
+      </p:sp>
       <p:pic>
         <p:nvPicPr>
-          <p:cNvPr id="7" name="그림 6" descr="cosmetic2.png"/>
+          <p:cNvPr id="9" name="그림 8"/>
           <p:cNvPicPr>
             <a:picLocks noChangeAspect="1"/>
           </p:cNvPicPr>
           <p:nvPr/>
         </p:nvPicPr>
         <p:blipFill>
-          <a:blip r:embed="rId3" cstate="print"/>
+          <a:blip r:embed="rId3" cstate="print">
+            <a:extLst>
+              <a:ext uri="{28A0092B-C50C-407E-A947-70E740481C1C}">
+                <a14:useLocalDpi xmlns:a14="http://schemas.microsoft.com/office/drawing/2010/main" val="0"/>
+              </a:ext>
+            </a:extLst>
+          </a:blip>
           <a:stretch>
             <a:fillRect/>
           </a:stretch>
         </p:blipFill>
         <p:spPr>
           <a:xfrm>
-            <a:off x="7672671" y="6410326"/>
-            <a:ext cx="1171292" cy="176212"/>
+            <a:off x="5547788" y="3515237"/>
+            <a:ext cx="3134695" cy="3134695"/>
           </a:xfrm>
           <a:prstGeom prst="rect">
             <a:avLst/>
           </a:prstGeom>
         </p:spPr>
       </p:pic>
-      <p:sp>
-        <p:nvSpPr>
-          <p:cNvPr id="6" name="부제목 2"/>
-          <p:cNvSpPr txBox="1">
-            <a:spLocks/>
-          </p:cNvSpPr>
-          <p:nvPr/>
-        </p:nvSpPr>
-        <p:spPr>
-          <a:xfrm>
-            <a:off x="264463" y="6387291"/>
-            <a:ext cx="3204878" cy="456456"/>
-          </a:xfrm>
-          <a:prstGeom prst="rect">
-            <a:avLst/>
-          </a:prstGeom>
-        </p:spPr>
-        <p:txBody>
-          <a:bodyPr vert="horz" lIns="91440" tIns="45720" rIns="91440" bIns="45720" rtlCol="0">
-            <a:noAutofit/>
-          </a:bodyPr>
-          <a:lstStyle>
-            <a:lvl1pPr marL="0" indent="0" algn="l" defTabSz="914400" rtl="0" eaLnBrk="1" latinLnBrk="1" hangingPunct="1">
-              <a:spcBef>
-                <a:spcPct val="20000"/>
-              </a:spcBef>
-              <a:buFont typeface="Arial" pitchFamily="34" charset="0"/>
-              <a:buNone/>
-              <a:defRPr sz="3200" kern="1200">
-                <a:solidFill>
-                  <a:schemeClr val="tx1">
-                    <a:tint val="75000"/>
-                  </a:schemeClr>
-                </a:solidFill>
-                <a:latin typeface="+mn-lt"/>
-                <a:ea typeface="+mn-ea"/>
-                <a:cs typeface="+mn-cs"/>
-              </a:defRPr>
-            </a:lvl1pPr>
-            <a:lvl2pPr marL="457200" indent="0" algn="ctr" defTabSz="914400" rtl="0" eaLnBrk="1" latinLnBrk="1" hangingPunct="1">
-              <a:spcBef>
-                <a:spcPct val="20000"/>
-              </a:spcBef>
-              <a:buFont typeface="Arial" pitchFamily="34" charset="0"/>
-              <a:buNone/>
-              <a:defRPr sz="2800" kern="1200">
-                <a:solidFill>
-                  <a:schemeClr val="tx1">
-                    <a:tint val="75000"/>
-                  </a:schemeClr>
-                </a:solidFill>
-                <a:latin typeface="+mn-lt"/>
-                <a:ea typeface="+mn-ea"/>
-                <a:cs typeface="+mn-cs"/>
-              </a:defRPr>
-            </a:lvl2pPr>
-            <a:lvl3pPr marL="914400" indent="0" algn="ctr" defTabSz="914400" rtl="0" eaLnBrk="1" latinLnBrk="1" hangingPunct="1">
-              <a:spcBef>
-                <a:spcPct val="20000"/>
-              </a:spcBef>
-              <a:buFont typeface="Arial" pitchFamily="34" charset="0"/>
-              <a:buNone/>
-              <a:defRPr sz="2400" kern="1200">
-                <a:solidFill>
-                  <a:schemeClr val="tx1">
-                    <a:tint val="75000"/>
-                  </a:schemeClr>
-                </a:solidFill>
-                <a:latin typeface="+mn-lt"/>
-                <a:ea typeface="+mn-ea"/>
-                <a:cs typeface="+mn-cs"/>
-              </a:defRPr>
-            </a:lvl3pPr>
-            <a:lvl4pPr marL="1371600" indent="0" algn="ctr" defTabSz="914400" rtl="0" eaLnBrk="1" latinLnBrk="1" hangingPunct="1">
-              <a:spcBef>
-                <a:spcPct val="20000"/>
-              </a:spcBef>
-              <a:buFont typeface="Arial" pitchFamily="34" charset="0"/>
-              <a:buNone/>
-              <a:defRPr sz="2000" kern="1200">
-                <a:solidFill>
-                  <a:schemeClr val="tx1">
-                    <a:tint val="75000"/>
-                  </a:schemeClr>
-                </a:solidFill>
-                <a:latin typeface="+mn-lt"/>
-                <a:ea typeface="+mn-ea"/>
-                <a:cs typeface="+mn-cs"/>
-              </a:defRPr>
-            </a:lvl4pPr>
-            <a:lvl5pPr marL="1828800" indent="0" algn="ctr" defTabSz="914400" rtl="0" eaLnBrk="1" latinLnBrk="1" hangingPunct="1">
-              <a:spcBef>
-                <a:spcPct val="20000"/>
-              </a:spcBef>
-              <a:buFont typeface="Arial" pitchFamily="34" charset="0"/>
-              <a:buNone/>
-              <a:defRPr sz="2000" kern="1200">
-                <a:solidFill>
-                  <a:schemeClr val="tx1">
-                    <a:tint val="75000"/>
-                  </a:schemeClr>
-                </a:solidFill>
-                <a:latin typeface="+mn-lt"/>
-                <a:ea typeface="+mn-ea"/>
-                <a:cs typeface="+mn-cs"/>
-              </a:defRPr>
-            </a:lvl5pPr>
-            <a:lvl6pPr marL="2286000" indent="0" algn="ctr" defTabSz="914400" rtl="0" eaLnBrk="1" latinLnBrk="1" hangingPunct="1">
-              <a:spcBef>
-                <a:spcPct val="20000"/>
-              </a:spcBef>
-              <a:buFont typeface="Arial" pitchFamily="34" charset="0"/>
-              <a:buNone/>
-              <a:defRPr sz="2000" kern="1200">
-                <a:solidFill>
-                  <a:schemeClr val="tx1">
-                    <a:tint val="75000"/>
-                  </a:schemeClr>
-                </a:solidFill>
-                <a:latin typeface="+mn-lt"/>
-                <a:ea typeface="+mn-ea"/>
-                <a:cs typeface="+mn-cs"/>
-              </a:defRPr>
-            </a:lvl6pPr>
-            <a:lvl7pPr marL="2743200" indent="0" algn="ctr" defTabSz="914400" rtl="0" eaLnBrk="1" latinLnBrk="1" hangingPunct="1">
-              <a:spcBef>
-                <a:spcPct val="20000"/>
-              </a:spcBef>
-              <a:buFont typeface="Arial" pitchFamily="34" charset="0"/>
-              <a:buNone/>
-              <a:defRPr sz="2000" kern="1200">
-                <a:solidFill>
-                  <a:schemeClr val="tx1">
-                    <a:tint val="75000"/>
-                  </a:schemeClr>
-                </a:solidFill>
-                <a:latin typeface="+mn-lt"/>
-                <a:ea typeface="+mn-ea"/>
-                <a:cs typeface="+mn-cs"/>
-              </a:defRPr>
-            </a:lvl7pPr>
-            <a:lvl8pPr marL="3200400" indent="0" algn="ctr" defTabSz="914400" rtl="0" eaLnBrk="1" latinLnBrk="1" hangingPunct="1">
-              <a:spcBef>
-                <a:spcPct val="20000"/>
-              </a:spcBef>
-              <a:buFont typeface="Arial" pitchFamily="34" charset="0"/>
-              <a:buNone/>
-              <a:defRPr sz="2000" kern="1200">
-                <a:solidFill>
-                  <a:schemeClr val="tx1">
-                    <a:tint val="75000"/>
-                  </a:schemeClr>
-                </a:solidFill>
-                <a:latin typeface="+mn-lt"/>
-                <a:ea typeface="+mn-ea"/>
-                <a:cs typeface="+mn-cs"/>
-              </a:defRPr>
-            </a:lvl8pPr>
-            <a:lvl9pPr marL="3657600" indent="0" algn="ctr" defTabSz="914400" rtl="0" eaLnBrk="1" latinLnBrk="1" hangingPunct="1">
-              <a:spcBef>
-                <a:spcPct val="20000"/>
-              </a:spcBef>
-              <a:buFont typeface="Arial" pitchFamily="34" charset="0"/>
-              <a:buNone/>
-              <a:defRPr sz="2000" kern="1200">
-                <a:solidFill>
-                  <a:schemeClr val="tx1">
-                    <a:tint val="75000"/>
-                  </a:schemeClr>
-                </a:solidFill>
-                <a:latin typeface="+mn-lt"/>
-                <a:ea typeface="+mn-ea"/>
-                <a:cs typeface="+mn-cs"/>
-              </a:defRPr>
-            </a:lvl9pPr>
-          </a:lstStyle>
-          <a:p>
-            <a:pPr>
-              <a:lnSpc>
-                <a:spcPct val="150000"/>
-              </a:lnSpc>
-            </a:pPr>
-            <a:r>
-              <a:rPr lang="ko-KR" altLang="en-US" sz="800" spc="-20" dirty="0" smtClean="0">
-                <a:solidFill>
-                  <a:schemeClr val="bg1">
-                    <a:lumMod val="50000"/>
-                  </a:schemeClr>
-                </a:solidFill>
-                <a:latin typeface="나눔고딕" pitchFamily="50" charset="-127"/>
-                <a:ea typeface="나눔고딕" pitchFamily="50" charset="-127"/>
-              </a:rPr>
-              <a:t>이 문서는 나눔글꼴로 작성되었습니다</a:t>
-            </a:r>
-            <a:r>
-              <a:rPr lang="en-US" altLang="ko-KR" sz="800" spc="-20" dirty="0" smtClean="0">
-                <a:solidFill>
-                  <a:schemeClr val="bg1">
-                    <a:lumMod val="50000"/>
-                  </a:schemeClr>
-                </a:solidFill>
-                <a:latin typeface="나눔고딕" pitchFamily="50" charset="-127"/>
-                <a:ea typeface="나눔고딕" pitchFamily="50" charset="-127"/>
-              </a:rPr>
-              <a:t>. </a:t>
-            </a:r>
-            <a:r>
-              <a:rPr lang="ko-KR" altLang="en-US" sz="800" u="sng" spc="-20" dirty="0" smtClean="0">
-                <a:solidFill>
-                  <a:srgbClr val="4495D2"/>
-                </a:solidFill>
-                <a:latin typeface="나눔고딕" pitchFamily="50" charset="-127"/>
-                <a:ea typeface="나눔고딕" pitchFamily="50" charset="-127"/>
-                <a:hlinkClick r:id="rId4"/>
-              </a:rPr>
-              <a:t>설치하기</a:t>
-            </a:r>
-            <a:endParaRPr lang="ko-KR" altLang="en-US" sz="800" u="sng" spc="-20" dirty="0">
-              <a:solidFill>
-                <a:srgbClr val="4495D2"/>
-              </a:solidFill>
-              <a:latin typeface="나눔고딕" pitchFamily="50" charset="-127"/>
-              <a:ea typeface="나눔고딕" pitchFamily="50" charset="-127"/>
-            </a:endParaRPr>
-          </a:p>
-        </p:txBody>
-      </p:sp>
     </p:spTree>
   </p:cSld>
   <p:clrMapOvr>
@@ -9445,7 +9348,7 @@
       </p:sp>
       <p:pic>
         <p:nvPicPr>
-          <p:cNvPr id="2" name="그림 1"/>
+          <p:cNvPr id="3" name="그림 2"/>
           <p:cNvPicPr>
             <a:picLocks noChangeAspect="1"/>
           </p:cNvPicPr>
@@ -9465,8 +9368,8 @@
         </p:blipFill>
         <p:spPr>
           <a:xfrm>
-            <a:off x="1800511" y="1549886"/>
-            <a:ext cx="5476900" cy="5018995"/>
+            <a:off x="1686088" y="1408112"/>
+            <a:ext cx="5763429" cy="5315692"/>
           </a:xfrm>
           <a:prstGeom prst="rect">
             <a:avLst/>
